--- a/Data_Engineering_Project_Presentation.pptx
+++ b/Data_Engineering_Project_Presentation.pptx
@@ -705,7 +705,7 @@
           <a:p>
             <a:fld id="{5BCAD085-E8A6-8845-BD4E-CB4CCA059FC4}" type="datetimeFigureOut">
               <a:rPr lang="en-US" smtClean="0"/>
-              <a:t>11/21/2024</a:t>
+              <a:t>11/26/2024</a:t>
             </a:fld>
             <a:endParaRPr lang="en-US"/>
           </a:p>
@@ -913,7 +913,7 @@
           <a:p>
             <a:fld id="{5BCAD085-E8A6-8845-BD4E-CB4CCA059FC4}" type="datetimeFigureOut">
               <a:rPr lang="en-US" smtClean="0"/>
-              <a:t>11/21/2024</a:t>
+              <a:t>11/26/2024</a:t>
             </a:fld>
             <a:endParaRPr lang="en-US"/>
           </a:p>
@@ -1169,7 +1169,7 @@
           <a:p>
             <a:fld id="{5BCAD085-E8A6-8845-BD4E-CB4CCA059FC4}" type="datetimeFigureOut">
               <a:rPr lang="en-US" smtClean="0"/>
-              <a:t>11/21/2024</a:t>
+              <a:t>11/26/2024</a:t>
             </a:fld>
             <a:endParaRPr lang="en-US"/>
           </a:p>
@@ -1339,7 +1339,7 @@
           <a:p>
             <a:fld id="{5BCAD085-E8A6-8845-BD4E-CB4CCA059FC4}" type="datetimeFigureOut">
               <a:rPr lang="en-US" smtClean="0"/>
-              <a:t>11/21/2024</a:t>
+              <a:t>11/26/2024</a:t>
             </a:fld>
             <a:endParaRPr lang="en-US"/>
           </a:p>
@@ -1682,7 +1682,7 @@
           <a:p>
             <a:fld id="{5BCAD085-E8A6-8845-BD4E-CB4CCA059FC4}" type="datetimeFigureOut">
               <a:rPr lang="en-US" smtClean="0"/>
-              <a:t>11/21/2024</a:t>
+              <a:t>11/26/2024</a:t>
             </a:fld>
             <a:endParaRPr lang="en-US"/>
           </a:p>
@@ -1957,7 +1957,7 @@
           <a:p>
             <a:fld id="{5BCAD085-E8A6-8845-BD4E-CB4CCA059FC4}" type="datetimeFigureOut">
               <a:rPr lang="en-US" smtClean="0"/>
-              <a:t>11/21/2024</a:t>
+              <a:t>11/26/2024</a:t>
             </a:fld>
             <a:endParaRPr lang="en-US"/>
           </a:p>
@@ -2336,7 +2336,7 @@
           <a:p>
             <a:fld id="{5BCAD085-E8A6-8845-BD4E-CB4CCA059FC4}" type="datetimeFigureOut">
               <a:rPr lang="en-US" smtClean="0"/>
-              <a:t>11/21/2024</a:t>
+              <a:t>11/26/2024</a:t>
             </a:fld>
             <a:endParaRPr lang="en-US"/>
           </a:p>
@@ -2454,7 +2454,7 @@
           <a:p>
             <a:fld id="{5BCAD085-E8A6-8845-BD4E-CB4CCA059FC4}" type="datetimeFigureOut">
               <a:rPr lang="en-US" smtClean="0"/>
-              <a:t>11/21/2024</a:t>
+              <a:t>11/26/2024</a:t>
             </a:fld>
             <a:endParaRPr lang="en-US"/>
           </a:p>
@@ -2625,7 +2625,7 @@
           <a:p>
             <a:fld id="{5BCAD085-E8A6-8845-BD4E-CB4CCA059FC4}" type="datetimeFigureOut">
               <a:rPr lang="en-US" smtClean="0"/>
-              <a:t>11/21/2024</a:t>
+              <a:t>11/26/2024</a:t>
             </a:fld>
             <a:endParaRPr lang="en-US"/>
           </a:p>
@@ -2979,7 +2979,7 @@
           <a:p>
             <a:fld id="{5BCAD085-E8A6-8845-BD4E-CB4CCA059FC4}" type="datetimeFigureOut">
               <a:rPr lang="en-US" smtClean="0"/>
-              <a:t>11/21/2024</a:t>
+              <a:t>11/26/2024</a:t>
             </a:fld>
             <a:endParaRPr lang="en-US"/>
           </a:p>
@@ -3361,7 +3361,7 @@
           <a:p>
             <a:fld id="{5BCAD085-E8A6-8845-BD4E-CB4CCA059FC4}" type="datetimeFigureOut">
               <a:rPr lang="en-US" smtClean="0"/>
-              <a:t>11/21/2024</a:t>
+              <a:t>11/26/2024</a:t>
             </a:fld>
             <a:endParaRPr lang="en-US"/>
           </a:p>
@@ -3648,7 +3648,7 @@
           <a:p>
             <a:fld id="{5BCAD085-E8A6-8845-BD4E-CB4CCA059FC4}" type="datetimeFigureOut">
               <a:rPr lang="en-US" smtClean="0"/>
-              <a:t>11/21/2024</a:t>
+              <a:t>11/26/2024</a:t>
             </a:fld>
             <a:endParaRPr lang="en-US"/>
           </a:p>
@@ -5024,18 +5024,21 @@
           <a:p>
             <a:r>
               <a:rPr lang="en-US" dirty="0"/>
-              <a:t>DATA ARCHITECHTURE</a:t>
-            </a:r>
+              <a:t>DATA ARCHITECTURE</a:t>
+            </a:r>
+            <a:br>
+              <a:rPr lang="en-US" dirty="0"/>
+            </a:br>
             <a:endParaRPr dirty="0"/>
           </a:p>
         </p:txBody>
       </p:sp>
       <p:pic>
         <p:nvPicPr>
-          <p:cNvPr id="4" name="Picture 3">
+          <p:cNvPr id="5" name="Picture 4">
             <a:extLst>
               <a:ext uri="{FF2B5EF4-FFF2-40B4-BE49-F238E27FC236}">
-                <a16:creationId xmlns:a16="http://schemas.microsoft.com/office/drawing/2014/main" id="{98D54048-95A4-4BD8-AC10-525F18725BEA}"/>
+                <a16:creationId xmlns:a16="http://schemas.microsoft.com/office/drawing/2014/main" id="{6BCF3906-FB9C-4666-AE58-22056D5B1715}"/>
               </a:ext>
             </a:extLst>
           </p:cNvPr>
@@ -5052,8 +5055,8 @@
         </p:blipFill>
         <p:spPr>
           <a:xfrm>
-            <a:off x="168965" y="109330"/>
-            <a:ext cx="8975035" cy="6638983"/>
+            <a:off x="433633" y="1216059"/>
+            <a:ext cx="8446416" cy="5147034"/>
           </a:xfrm>
           <a:prstGeom prst="rect">
             <a:avLst/>
